--- a/presentations/DESY - Week 5.pptx
+++ b/presentations/DESY - Week 5.pptx
@@ -106,6 +106,11 @@
       </a:defRPr>
     </a:lvl9pPr>
   </p:defaultTextStyle>
+  <p:extLst>
+    <p:ext uri="{EFAFB233-063F-42B5-8137-9DF3F51BA10A}">
+      <p15:sldGuideLst xmlns:p15="http://schemas.microsoft.com/office/powerpoint/2012/main"/>
+    </p:ext>
+  </p:extLst>
 </p:presentation>
 </file>
 
@@ -3962,8 +3967,8 @@
           </a:graphicData>
         </a:graphic>
       </p:graphicFrame>
-      <mc:AlternateContent xmlns:mc="http://schemas.openxmlformats.org/markup-compatibility/2006">
-        <mc:Choice xmlns:a14="http://schemas.microsoft.com/office/drawing/2010/main" Requires="a14">
+      <mc:AlternateContent xmlns:mc="http://schemas.openxmlformats.org/markup-compatibility/2006" xmlns:a14="http://schemas.microsoft.com/office/drawing/2010/main">
+        <mc:Choice Requires="a14">
           <p:sp>
             <p:nvSpPr>
               <p:cNvPr id="5" name="TextBox 4">
@@ -4060,7 +4065,7 @@
             </p:txBody>
           </p:sp>
         </mc:Choice>
-        <mc:Fallback>
+        <mc:Fallback xmlns="">
           <p:sp>
             <p:nvSpPr>
               <p:cNvPr id="5" name="TextBox 4">
@@ -4167,21 +4172,107 @@
           </a:p>
         </p:txBody>
       </p:sp>
+      <p:sp>
+        <p:nvSpPr>
+          <p:cNvPr id="4" name="Content Placeholder 3">
+            <a:extLst>
+              <a:ext uri="{FF2B5EF4-FFF2-40B4-BE49-F238E27FC236}">
+                <a16:creationId xmlns:a16="http://schemas.microsoft.com/office/drawing/2014/main" id="{BD23AE31-E6EB-7576-C45D-D0D8C7B8F8C3}"/>
+              </a:ext>
+            </a:extLst>
+          </p:cNvPr>
+          <p:cNvSpPr>
+            <a:spLocks noGrp="1"/>
+          </p:cNvSpPr>
+          <p:nvPr>
+            <p:ph idx="1"/>
+          </p:nvPr>
+        </p:nvSpPr>
+        <p:spPr>
+          <a:xfrm>
+            <a:off x="838200" y="1825624"/>
+            <a:ext cx="5450633" cy="4828042"/>
+          </a:xfrm>
+        </p:spPr>
+        <p:txBody>
+          <a:bodyPr>
+            <a:normAutofit lnSpcReduction="10000"/>
+          </a:bodyPr>
+          <a:lstStyle/>
+          <a:p>
+            <a:r>
+              <a:rPr lang="en-GB" dirty="0"/>
+              <a:t>At the given parameter values, the highest UV energies are generated by krypton, argon and nitrous oxide </a:t>
+            </a:r>
+          </a:p>
+          <a:p>
+            <a:pPr lvl="1">
+              <a:buFont typeface="Wingdings" panose="05000000000000000000" pitchFamily="2" charset="2"/>
+              <a:buChar char="Ø"/>
+            </a:pPr>
+            <a:r>
+              <a:rPr lang="en-GB" dirty="0"/>
+              <a:t> </a:t>
+            </a:r>
+            <a:r>
+              <a:rPr lang="en-GB" i="1" dirty="0">
+                <a:solidFill>
+                  <a:srgbClr val="002060"/>
+                </a:solidFill>
+              </a:rPr>
+              <a:t>Investigate Kr and N2O in more detail (plots on </a:t>
+            </a:r>
+            <a:r>
+              <a:rPr lang="en-GB" i="1" dirty="0" err="1">
+                <a:solidFill>
+                  <a:srgbClr val="002060"/>
+                </a:solidFill>
+              </a:rPr>
+              <a:t>Sync&amp;Share</a:t>
+            </a:r>
+            <a:r>
+              <a:rPr lang="en-GB" i="1" dirty="0">
+                <a:solidFill>
+                  <a:srgbClr val="002060"/>
+                </a:solidFill>
+              </a:rPr>
+              <a:t>)?</a:t>
+            </a:r>
+          </a:p>
+          <a:p>
+            <a:r>
+              <a:rPr lang="en-GB" dirty="0"/>
+              <a:t>Neon, on the other hand, yields the second-lowest UV energy</a:t>
+            </a:r>
+          </a:p>
+          <a:p>
+            <a:r>
+              <a:rPr lang="en-GB" i="1" dirty="0">
+                <a:solidFill>
+                  <a:srgbClr val="002060"/>
+                </a:solidFill>
+              </a:rPr>
+              <a:t>Note that relative gas performance is likely sensitive to central gas pressure and beam power: simulations should be extended!</a:t>
+            </a:r>
+          </a:p>
+          <a:p>
+            <a:endParaRPr lang="en-GB" dirty="0"/>
+          </a:p>
+        </p:txBody>
+      </p:sp>
       <p:pic>
         <p:nvPicPr>
-          <p:cNvPr id="5" name="Content Placeholder 4" descr="A blue and white graph&#10;&#10;Description automatically generated">
-            <a:extLst>
-              <a:ext uri="{FF2B5EF4-FFF2-40B4-BE49-F238E27FC236}">
-                <a16:creationId xmlns:a16="http://schemas.microsoft.com/office/drawing/2014/main" id="{FDAC163D-992D-CF98-A6EE-8F1F4AED07C0}"/>
+          <p:cNvPr id="7" name="Picture 6" descr="A blue and white graph&#10;&#10;Description automatically generated">
+            <a:extLst>
+              <a:ext uri="{FF2B5EF4-FFF2-40B4-BE49-F238E27FC236}">
+                <a16:creationId xmlns:a16="http://schemas.microsoft.com/office/drawing/2014/main" id="{1F4B2AD0-C574-3CED-D35E-B7AEB8A7C3C7}"/>
               </a:ext>
             </a:extLst>
           </p:cNvPr>
           <p:cNvPicPr>
-            <a:picLocks noGrp="1" noChangeAspect="1"/>
+            <a:picLocks noChangeAspect="1"/>
           </p:cNvPicPr>
-          <p:nvPr>
-            <p:ph idx="1"/>
-          </p:nvPr>
+          <p:nvPr/>
         </p:nvPicPr>
         <p:blipFill>
           <a:blip r:embed="rId2">
@@ -4197,9 +4288,12 @@
         </p:blipFill>
         <p:spPr>
           <a:xfrm>
-            <a:off x="0" y="1390570"/>
-            <a:ext cx="7018801" cy="5264102"/>
+            <a:off x="6208333" y="1348921"/>
+            <a:ext cx="6437389" cy="4828042"/>
           </a:xfrm>
+          <a:prstGeom prst="rect">
+            <a:avLst/>
+          </a:prstGeom>
         </p:spPr>
       </p:pic>
     </p:spTree>

--- a/presentations/DESY - Week 5.pptx
+++ b/presentations/DESY - Week 5.pptx
@@ -8,6 +8,7 @@
     <p:sldId id="257" r:id="rId2"/>
     <p:sldId id="258" r:id="rId3"/>
     <p:sldId id="259" r:id="rId4"/>
+    <p:sldId id="260" r:id="rId5"/>
   </p:sldIdLst>
   <p:sldSz cx="12192000" cy="6858000"/>
   <p:notesSz cx="6858000" cy="9144000"/>
@@ -263,7 +264,7 @@
           <a:p>
             <a:fld id="{76232585-0F90-4944-BD2B-BEDB9D0724CB}" type="datetimeFigureOut">
               <a:rPr lang="en-GB" smtClean="0"/>
-              <a:t>13/08/2023</a:t>
+              <a:t>14/08/2023</a:t>
             </a:fld>
             <a:endParaRPr lang="en-GB"/>
           </a:p>
@@ -463,7 +464,7 @@
           <a:p>
             <a:fld id="{76232585-0F90-4944-BD2B-BEDB9D0724CB}" type="datetimeFigureOut">
               <a:rPr lang="en-GB" smtClean="0"/>
-              <a:t>13/08/2023</a:t>
+              <a:t>14/08/2023</a:t>
             </a:fld>
             <a:endParaRPr lang="en-GB"/>
           </a:p>
@@ -673,7 +674,7 @@
           <a:p>
             <a:fld id="{76232585-0F90-4944-BD2B-BEDB9D0724CB}" type="datetimeFigureOut">
               <a:rPr lang="en-GB" smtClean="0"/>
-              <a:t>13/08/2023</a:t>
+              <a:t>14/08/2023</a:t>
             </a:fld>
             <a:endParaRPr lang="en-GB"/>
           </a:p>
@@ -873,7 +874,7 @@
           <a:p>
             <a:fld id="{76232585-0F90-4944-BD2B-BEDB9D0724CB}" type="datetimeFigureOut">
               <a:rPr lang="en-GB" smtClean="0"/>
-              <a:t>13/08/2023</a:t>
+              <a:t>14/08/2023</a:t>
             </a:fld>
             <a:endParaRPr lang="en-GB"/>
           </a:p>
@@ -1149,7 +1150,7 @@
           <a:p>
             <a:fld id="{76232585-0F90-4944-BD2B-BEDB9D0724CB}" type="datetimeFigureOut">
               <a:rPr lang="en-GB" smtClean="0"/>
-              <a:t>13/08/2023</a:t>
+              <a:t>14/08/2023</a:t>
             </a:fld>
             <a:endParaRPr lang="en-GB"/>
           </a:p>
@@ -1417,7 +1418,7 @@
           <a:p>
             <a:fld id="{76232585-0F90-4944-BD2B-BEDB9D0724CB}" type="datetimeFigureOut">
               <a:rPr lang="en-GB" smtClean="0"/>
-              <a:t>13/08/2023</a:t>
+              <a:t>14/08/2023</a:t>
             </a:fld>
             <a:endParaRPr lang="en-GB"/>
           </a:p>
@@ -1832,7 +1833,7 @@
           <a:p>
             <a:fld id="{76232585-0F90-4944-BD2B-BEDB9D0724CB}" type="datetimeFigureOut">
               <a:rPr lang="en-GB" smtClean="0"/>
-              <a:t>13/08/2023</a:t>
+              <a:t>14/08/2023</a:t>
             </a:fld>
             <a:endParaRPr lang="en-GB"/>
           </a:p>
@@ -1974,7 +1975,7 @@
           <a:p>
             <a:fld id="{76232585-0F90-4944-BD2B-BEDB9D0724CB}" type="datetimeFigureOut">
               <a:rPr lang="en-GB" smtClean="0"/>
-              <a:t>13/08/2023</a:t>
+              <a:t>14/08/2023</a:t>
             </a:fld>
             <a:endParaRPr lang="en-GB"/>
           </a:p>
@@ -2087,7 +2088,7 @@
           <a:p>
             <a:fld id="{76232585-0F90-4944-BD2B-BEDB9D0724CB}" type="datetimeFigureOut">
               <a:rPr lang="en-GB" smtClean="0"/>
-              <a:t>13/08/2023</a:t>
+              <a:t>14/08/2023</a:t>
             </a:fld>
             <a:endParaRPr lang="en-GB"/>
           </a:p>
@@ -2400,7 +2401,7 @@
           <a:p>
             <a:fld id="{76232585-0F90-4944-BD2B-BEDB9D0724CB}" type="datetimeFigureOut">
               <a:rPr lang="en-GB" smtClean="0"/>
-              <a:t>13/08/2023</a:t>
+              <a:t>14/08/2023</a:t>
             </a:fld>
             <a:endParaRPr lang="en-GB"/>
           </a:p>
@@ -2689,7 +2690,7 @@
           <a:p>
             <a:fld id="{76232585-0F90-4944-BD2B-BEDB9D0724CB}" type="datetimeFigureOut">
               <a:rPr lang="en-GB" smtClean="0"/>
-              <a:t>13/08/2023</a:t>
+              <a:t>14/08/2023</a:t>
             </a:fld>
             <a:endParaRPr lang="en-GB"/>
           </a:p>
@@ -2932,7 +2933,7 @@
           <a:p>
             <a:fld id="{76232585-0F90-4944-BD2B-BEDB9D0724CB}" type="datetimeFigureOut">
               <a:rPr lang="en-GB" smtClean="0"/>
-              <a:t>13/08/2023</a:t>
+              <a:t>14/08/2023</a:t>
             </a:fld>
             <a:endParaRPr lang="en-GB"/>
           </a:p>
@@ -4309,6 +4310,94 @@
 </p:sld>
 </file>
 
+<file path=ppt/slides/slide4.xml><?xml version="1.0" encoding="utf-8"?>
+<p:sld xmlns:a="http://schemas.openxmlformats.org/drawingml/2006/main" xmlns:r="http://schemas.openxmlformats.org/officeDocument/2006/relationships" xmlns:p="http://schemas.openxmlformats.org/presentationml/2006/main">
+  <p:cSld>
+    <p:spTree>
+      <p:nvGrpSpPr>
+        <p:cNvPr id="1" name=""/>
+        <p:cNvGrpSpPr/>
+        <p:nvPr/>
+      </p:nvGrpSpPr>
+      <p:grpSpPr>
+        <a:xfrm>
+          <a:off x="0" y="0"/>
+          <a:ext cx="0" cy="0"/>
+          <a:chOff x="0" y="0"/>
+          <a:chExt cx="0" cy="0"/>
+        </a:xfrm>
+      </p:grpSpPr>
+      <p:sp>
+        <p:nvSpPr>
+          <p:cNvPr id="2" name="Title 1">
+            <a:extLst>
+              <a:ext uri="{FF2B5EF4-FFF2-40B4-BE49-F238E27FC236}">
+                <a16:creationId xmlns:a16="http://schemas.microsoft.com/office/drawing/2014/main" id="{E6D10441-6128-B3DF-403A-DFC8AA62A07C}"/>
+              </a:ext>
+            </a:extLst>
+          </p:cNvPr>
+          <p:cNvSpPr>
+            <a:spLocks noGrp="1"/>
+          </p:cNvSpPr>
+          <p:nvPr>
+            <p:ph type="title"/>
+          </p:nvPr>
+        </p:nvSpPr>
+        <p:spPr/>
+        <p:txBody>
+          <a:bodyPr/>
+          <a:lstStyle/>
+          <a:p>
+            <a:r>
+              <a:rPr lang="en-GB" b="1" dirty="0">
+                <a:solidFill>
+                  <a:srgbClr val="002060"/>
+                </a:solidFill>
+              </a:rPr>
+              <a:t>Comparison of different gases</a:t>
+            </a:r>
+            <a:endParaRPr lang="en-GB" dirty="0"/>
+          </a:p>
+        </p:txBody>
+      </p:sp>
+      <p:sp>
+        <p:nvSpPr>
+          <p:cNvPr id="3" name="Content Placeholder 2">
+            <a:extLst>
+              <a:ext uri="{FF2B5EF4-FFF2-40B4-BE49-F238E27FC236}">
+                <a16:creationId xmlns:a16="http://schemas.microsoft.com/office/drawing/2014/main" id="{534048CD-97BE-691A-1B5D-98C2DAD0252F}"/>
+              </a:ext>
+            </a:extLst>
+          </p:cNvPr>
+          <p:cNvSpPr>
+            <a:spLocks noGrp="1"/>
+          </p:cNvSpPr>
+          <p:nvPr>
+            <p:ph idx="1"/>
+          </p:nvPr>
+        </p:nvSpPr>
+        <p:spPr/>
+        <p:txBody>
+          <a:bodyPr/>
+          <a:lstStyle/>
+          <a:p>
+            <a:endParaRPr lang="en-GB" dirty="0"/>
+          </a:p>
+        </p:txBody>
+      </p:sp>
+    </p:spTree>
+    <p:extLst>
+      <p:ext uri="{BB962C8B-B14F-4D97-AF65-F5344CB8AC3E}">
+        <p14:creationId xmlns:p14="http://schemas.microsoft.com/office/powerpoint/2010/main" val="3223392986"/>
+      </p:ext>
+    </p:extLst>
+  </p:cSld>
+  <p:clrMapOvr>
+    <a:masterClrMapping/>
+  </p:clrMapOvr>
+</p:sld>
+</file>
+
 <file path=ppt/theme/theme1.xml><?xml version="1.0" encoding="utf-8"?>
 <a:theme xmlns:a="http://schemas.openxmlformats.org/drawingml/2006/main" name="Office Theme">
   <a:themeElements>

--- a/presentations/DESY - Week 5.pptx
+++ b/presentations/DESY - Week 5.pptx
@@ -6,9 +6,14 @@
   </p:sldMasterIdLst>
   <p:sldIdLst>
     <p:sldId id="257" r:id="rId2"/>
-    <p:sldId id="258" r:id="rId3"/>
-    <p:sldId id="259" r:id="rId4"/>
-    <p:sldId id="260" r:id="rId5"/>
+    <p:sldId id="261" r:id="rId3"/>
+    <p:sldId id="265" r:id="rId4"/>
+    <p:sldId id="262" r:id="rId5"/>
+    <p:sldId id="263" r:id="rId6"/>
+    <p:sldId id="264" r:id="rId7"/>
+    <p:sldId id="260" r:id="rId8"/>
+    <p:sldId id="258" r:id="rId9"/>
+    <p:sldId id="259" r:id="rId10"/>
   </p:sldIdLst>
   <p:sldSz cx="12192000" cy="6858000"/>
   <p:notesSz cx="6858000" cy="9144000"/>
@@ -264,7 +269,7 @@
           <a:p>
             <a:fld id="{76232585-0F90-4944-BD2B-BEDB9D0724CB}" type="datetimeFigureOut">
               <a:rPr lang="en-GB" smtClean="0"/>
-              <a:t>14/08/2023</a:t>
+              <a:t>17/08/2023</a:t>
             </a:fld>
             <a:endParaRPr lang="en-GB"/>
           </a:p>
@@ -464,7 +469,7 @@
           <a:p>
             <a:fld id="{76232585-0F90-4944-BD2B-BEDB9D0724CB}" type="datetimeFigureOut">
               <a:rPr lang="en-GB" smtClean="0"/>
-              <a:t>14/08/2023</a:t>
+              <a:t>17/08/2023</a:t>
             </a:fld>
             <a:endParaRPr lang="en-GB"/>
           </a:p>
@@ -674,7 +679,7 @@
           <a:p>
             <a:fld id="{76232585-0F90-4944-BD2B-BEDB9D0724CB}" type="datetimeFigureOut">
               <a:rPr lang="en-GB" smtClean="0"/>
-              <a:t>14/08/2023</a:t>
+              <a:t>17/08/2023</a:t>
             </a:fld>
             <a:endParaRPr lang="en-GB"/>
           </a:p>
@@ -874,7 +879,7 @@
           <a:p>
             <a:fld id="{76232585-0F90-4944-BD2B-BEDB9D0724CB}" type="datetimeFigureOut">
               <a:rPr lang="en-GB" smtClean="0"/>
-              <a:t>14/08/2023</a:t>
+              <a:t>17/08/2023</a:t>
             </a:fld>
             <a:endParaRPr lang="en-GB"/>
           </a:p>
@@ -1150,7 +1155,7 @@
           <a:p>
             <a:fld id="{76232585-0F90-4944-BD2B-BEDB9D0724CB}" type="datetimeFigureOut">
               <a:rPr lang="en-GB" smtClean="0"/>
-              <a:t>14/08/2023</a:t>
+              <a:t>17/08/2023</a:t>
             </a:fld>
             <a:endParaRPr lang="en-GB"/>
           </a:p>
@@ -1418,7 +1423,7 @@
           <a:p>
             <a:fld id="{76232585-0F90-4944-BD2B-BEDB9D0724CB}" type="datetimeFigureOut">
               <a:rPr lang="en-GB" smtClean="0"/>
-              <a:t>14/08/2023</a:t>
+              <a:t>17/08/2023</a:t>
             </a:fld>
             <a:endParaRPr lang="en-GB"/>
           </a:p>
@@ -1833,7 +1838,7 @@
           <a:p>
             <a:fld id="{76232585-0F90-4944-BD2B-BEDB9D0724CB}" type="datetimeFigureOut">
               <a:rPr lang="en-GB" smtClean="0"/>
-              <a:t>14/08/2023</a:t>
+              <a:t>17/08/2023</a:t>
             </a:fld>
             <a:endParaRPr lang="en-GB"/>
           </a:p>
@@ -1975,7 +1980,7 @@
           <a:p>
             <a:fld id="{76232585-0F90-4944-BD2B-BEDB9D0724CB}" type="datetimeFigureOut">
               <a:rPr lang="en-GB" smtClean="0"/>
-              <a:t>14/08/2023</a:t>
+              <a:t>17/08/2023</a:t>
             </a:fld>
             <a:endParaRPr lang="en-GB"/>
           </a:p>
@@ -2088,7 +2093,7 @@
           <a:p>
             <a:fld id="{76232585-0F90-4944-BD2B-BEDB9D0724CB}" type="datetimeFigureOut">
               <a:rPr lang="en-GB" smtClean="0"/>
-              <a:t>14/08/2023</a:t>
+              <a:t>17/08/2023</a:t>
             </a:fld>
             <a:endParaRPr lang="en-GB"/>
           </a:p>
@@ -2401,7 +2406,7 @@
           <a:p>
             <a:fld id="{76232585-0F90-4944-BD2B-BEDB9D0724CB}" type="datetimeFigureOut">
               <a:rPr lang="en-GB" smtClean="0"/>
-              <a:t>14/08/2023</a:t>
+              <a:t>17/08/2023</a:t>
             </a:fld>
             <a:endParaRPr lang="en-GB"/>
           </a:p>
@@ -2690,7 +2695,7 @@
           <a:p>
             <a:fld id="{76232585-0F90-4944-BD2B-BEDB9D0724CB}" type="datetimeFigureOut">
               <a:rPr lang="en-GB" smtClean="0"/>
-              <a:t>14/08/2023</a:t>
+              <a:t>17/08/2023</a:t>
             </a:fld>
             <a:endParaRPr lang="en-GB"/>
           </a:p>
@@ -2933,7 +2938,7 @@
           <a:p>
             <a:fld id="{76232585-0F90-4944-BD2B-BEDB9D0724CB}" type="datetimeFigureOut">
               <a:rPr lang="en-GB" smtClean="0"/>
-              <a:t>14/08/2023</a:t>
+              <a:t>17/08/2023</a:t>
             </a:fld>
             <a:endParaRPr lang="en-GB"/>
           </a:p>
@@ -3480,6 +3485,939 @@
           <p:cNvPr id="2" name="Title 1">
             <a:extLst>
               <a:ext uri="{FF2B5EF4-FFF2-40B4-BE49-F238E27FC236}">
+                <a16:creationId xmlns:a16="http://schemas.microsoft.com/office/drawing/2014/main" id="{4159E94E-E8E9-76EF-E8BC-283DF5B1366C}"/>
+              </a:ext>
+            </a:extLst>
+          </p:cNvPr>
+          <p:cNvSpPr>
+            <a:spLocks noGrp="1"/>
+          </p:cNvSpPr>
+          <p:nvPr>
+            <p:ph type="title"/>
+          </p:nvPr>
+        </p:nvSpPr>
+        <p:spPr/>
+        <p:txBody>
+          <a:bodyPr/>
+          <a:lstStyle/>
+          <a:p>
+            <a:r>
+              <a:rPr lang="en-GB" b="1" dirty="0">
+                <a:solidFill>
+                  <a:srgbClr val="002060"/>
+                </a:solidFill>
+              </a:rPr>
+              <a:t>Overview</a:t>
+            </a:r>
+          </a:p>
+        </p:txBody>
+      </p:sp>
+      <p:sp>
+        <p:nvSpPr>
+          <p:cNvPr id="3" name="Content Placeholder 2">
+            <a:extLst>
+              <a:ext uri="{FF2B5EF4-FFF2-40B4-BE49-F238E27FC236}">
+                <a16:creationId xmlns:a16="http://schemas.microsoft.com/office/drawing/2014/main" id="{98B458CF-68D2-CFD5-65AB-8AA08A6DD756}"/>
+              </a:ext>
+            </a:extLst>
+          </p:cNvPr>
+          <p:cNvSpPr>
+            <a:spLocks noGrp="1"/>
+          </p:cNvSpPr>
+          <p:nvPr>
+            <p:ph idx="1"/>
+          </p:nvPr>
+        </p:nvSpPr>
+        <p:spPr/>
+        <p:txBody>
+          <a:bodyPr>
+            <a:normAutofit fontScale="92500" lnSpcReduction="10000"/>
+          </a:bodyPr>
+          <a:lstStyle/>
+          <a:p>
+            <a:r>
+              <a:rPr lang="en-GB" dirty="0"/>
+              <a:t>An extensive round of parameter scans was carried out, involving over 7000 simulation runs</a:t>
+            </a:r>
+          </a:p>
+          <a:p>
+            <a:pPr lvl="1">
+              <a:buFont typeface="Wingdings" panose="05000000000000000000" pitchFamily="2" charset="2"/>
+              <a:buChar char="Ø"/>
+            </a:pPr>
+            <a:r>
+              <a:rPr lang="en-GB" dirty="0"/>
+              <a:t> considered </a:t>
+            </a:r>
+            <a:r>
+              <a:rPr lang="en-GB" dirty="0" err="1"/>
+              <a:t>Ar</a:t>
+            </a:r>
+            <a:r>
+              <a:rPr lang="en-GB" dirty="0"/>
+              <a:t>, Ne, Kr, Xe, He, N2, and N2O</a:t>
+            </a:r>
+          </a:p>
+          <a:p>
+            <a:pPr lvl="1">
+              <a:buFont typeface="Wingdings" panose="05000000000000000000" pitchFamily="2" charset="2"/>
+              <a:buChar char="Ø"/>
+            </a:pPr>
+            <a:r>
+              <a:rPr lang="en-GB" dirty="0"/>
+              <a:t> beam powers: 75mW, 150mW, 200mW, 300mW, and 400mW </a:t>
+            </a:r>
+          </a:p>
+          <a:p>
+            <a:pPr lvl="1">
+              <a:buFont typeface="Wingdings" panose="05000000000000000000" pitchFamily="2" charset="2"/>
+              <a:buChar char="Ø"/>
+            </a:pPr>
+            <a:r>
+              <a:rPr lang="en-GB" dirty="0"/>
+              <a:t> pressures: 0.1bar to 5.1bar in 0.1bar increments </a:t>
+            </a:r>
+          </a:p>
+          <a:p>
+            <a:pPr lvl="1">
+              <a:buFont typeface="Wingdings" panose="05000000000000000000" pitchFamily="2" charset="2"/>
+              <a:buChar char="Ø"/>
+            </a:pPr>
+            <a:r>
+              <a:rPr lang="en-GB" dirty="0"/>
+              <a:t> density profiles: gradient and COMSOL </a:t>
+            </a:r>
+          </a:p>
+          <a:p>
+            <a:r>
+              <a:rPr lang="en-GB" dirty="0"/>
+              <a:t>The scan outputs consisted of: </a:t>
+            </a:r>
+          </a:p>
+          <a:p>
+            <a:pPr lvl="1">
+              <a:buFont typeface="Wingdings" panose="05000000000000000000" pitchFamily="2" charset="2"/>
+              <a:buChar char="Ø"/>
+            </a:pPr>
+            <a:r>
+              <a:rPr lang="en-GB" dirty="0"/>
+              <a:t> total UV energy &amp; efficiency</a:t>
+            </a:r>
+          </a:p>
+          <a:p>
+            <a:pPr lvl="1">
+              <a:buFont typeface="Wingdings" panose="05000000000000000000" pitchFamily="2" charset="2"/>
+              <a:buChar char="Ø"/>
+            </a:pPr>
+            <a:r>
+              <a:rPr lang="en-GB" dirty="0"/>
+              <a:t> UV pulse duration </a:t>
+            </a:r>
+          </a:p>
+          <a:p>
+            <a:pPr lvl="1">
+              <a:buFont typeface="Wingdings" panose="05000000000000000000" pitchFamily="2" charset="2"/>
+              <a:buChar char="Ø"/>
+            </a:pPr>
+            <a:r>
+              <a:rPr lang="en-GB" dirty="0"/>
+              <a:t> UV output spectrum </a:t>
+            </a:r>
+          </a:p>
+          <a:p>
+            <a:pPr lvl="1">
+              <a:buFont typeface="Wingdings" panose="05000000000000000000" pitchFamily="2" charset="2"/>
+              <a:buChar char="Ø"/>
+            </a:pPr>
+            <a:r>
+              <a:rPr lang="en-GB" dirty="0"/>
+              <a:t> Position in the cell of the UV energy peak</a:t>
+            </a:r>
+          </a:p>
+          <a:p>
+            <a:r>
+              <a:rPr lang="en-GB" i="1" dirty="0">
+                <a:solidFill>
+                  <a:srgbClr val="002060"/>
+                </a:solidFill>
+              </a:rPr>
+              <a:t>Caveat: the simulations used the ADK ionisation model instead of PPT!</a:t>
+            </a:r>
+          </a:p>
+          <a:p>
+            <a:pPr lvl="1">
+              <a:buFont typeface="Wingdings" panose="05000000000000000000" pitchFamily="2" charset="2"/>
+              <a:buChar char="Ø"/>
+            </a:pPr>
+            <a:endParaRPr lang="en-GB" dirty="0"/>
+          </a:p>
+        </p:txBody>
+      </p:sp>
+    </p:spTree>
+    <p:extLst>
+      <p:ext uri="{BB962C8B-B14F-4D97-AF65-F5344CB8AC3E}">
+        <p14:creationId xmlns:p14="http://schemas.microsoft.com/office/powerpoint/2010/main" val="468128299"/>
+      </p:ext>
+    </p:extLst>
+  </p:cSld>
+  <p:clrMapOvr>
+    <a:masterClrMapping/>
+  </p:clrMapOvr>
+</p:sld>
+</file>
+
+<file path=ppt/slides/slide3.xml><?xml version="1.0" encoding="utf-8"?>
+<p:sld xmlns:a="http://schemas.openxmlformats.org/drawingml/2006/main" xmlns:r="http://schemas.openxmlformats.org/officeDocument/2006/relationships" xmlns:p="http://schemas.openxmlformats.org/presentationml/2006/main">
+  <p:cSld>
+    <p:spTree>
+      <p:nvGrpSpPr>
+        <p:cNvPr id="1" name=""/>
+        <p:cNvGrpSpPr/>
+        <p:nvPr/>
+      </p:nvGrpSpPr>
+      <p:grpSpPr>
+        <a:xfrm>
+          <a:off x="0" y="0"/>
+          <a:ext cx="0" cy="0"/>
+          <a:chOff x="0" y="0"/>
+          <a:chExt cx="0" cy="0"/>
+        </a:xfrm>
+      </p:grpSpPr>
+      <p:sp>
+        <p:nvSpPr>
+          <p:cNvPr id="2" name="Title 1">
+            <a:extLst>
+              <a:ext uri="{FF2B5EF4-FFF2-40B4-BE49-F238E27FC236}">
+                <a16:creationId xmlns:a16="http://schemas.microsoft.com/office/drawing/2014/main" id="{373BCEEA-9355-2907-948B-E1578CDF359B}"/>
+              </a:ext>
+            </a:extLst>
+          </p:cNvPr>
+          <p:cNvSpPr>
+            <a:spLocks noGrp="1"/>
+          </p:cNvSpPr>
+          <p:nvPr>
+            <p:ph type="title"/>
+          </p:nvPr>
+        </p:nvSpPr>
+        <p:spPr/>
+        <p:txBody>
+          <a:bodyPr/>
+          <a:lstStyle/>
+          <a:p>
+            <a:r>
+              <a:rPr lang="en-GB" b="1" dirty="0">
+                <a:solidFill>
+                  <a:srgbClr val="002060"/>
+                </a:solidFill>
+              </a:rPr>
+              <a:t>Goals</a:t>
+            </a:r>
+          </a:p>
+        </p:txBody>
+      </p:sp>
+      <p:sp>
+        <p:nvSpPr>
+          <p:cNvPr id="3" name="Content Placeholder 2">
+            <a:extLst>
+              <a:ext uri="{FF2B5EF4-FFF2-40B4-BE49-F238E27FC236}">
+                <a16:creationId xmlns:a16="http://schemas.microsoft.com/office/drawing/2014/main" id="{26B6D07C-04B6-A8E2-F20C-9DAE1E66D200}"/>
+              </a:ext>
+            </a:extLst>
+          </p:cNvPr>
+          <p:cNvSpPr>
+            <a:spLocks noGrp="1"/>
+          </p:cNvSpPr>
+          <p:nvPr>
+            <p:ph idx="1"/>
+          </p:nvPr>
+        </p:nvSpPr>
+        <p:spPr/>
+        <p:txBody>
+          <a:bodyPr>
+            <a:normAutofit/>
+          </a:bodyPr>
+          <a:lstStyle/>
+          <a:p>
+            <a:r>
+              <a:rPr lang="en-GB" dirty="0"/>
+              <a:t>Compare the COMSOL density model to the gradient density model and decide which one to use moving forward </a:t>
+            </a:r>
+          </a:p>
+          <a:p>
+            <a:r>
+              <a:rPr lang="en-GB" dirty="0"/>
+              <a:t>Analyse the relative performance of different gases as a general feasibility study </a:t>
+            </a:r>
+          </a:p>
+          <a:p>
+            <a:r>
+              <a:rPr lang="en-GB" dirty="0"/>
+              <a:t>Identify combinations of pressure, beam power and gas that result in energetic sub-2fs UV pulses </a:t>
+            </a:r>
+          </a:p>
+          <a:p>
+            <a:pPr lvl="1">
+              <a:buFont typeface="Wingdings" panose="05000000000000000000" pitchFamily="2" charset="2"/>
+              <a:buChar char="Ø"/>
+            </a:pPr>
+            <a:r>
+              <a:rPr lang="en-GB" dirty="0"/>
+              <a:t> These conditions can then be studied in more detail (using PPT ionisation, considering spatiotemporal profile…)</a:t>
+            </a:r>
+          </a:p>
+        </p:txBody>
+      </p:sp>
+    </p:spTree>
+    <p:extLst>
+      <p:ext uri="{BB962C8B-B14F-4D97-AF65-F5344CB8AC3E}">
+        <p14:creationId xmlns:p14="http://schemas.microsoft.com/office/powerpoint/2010/main" val="2223685916"/>
+      </p:ext>
+    </p:extLst>
+  </p:cSld>
+  <p:clrMapOvr>
+    <a:masterClrMapping/>
+  </p:clrMapOvr>
+</p:sld>
+</file>
+
+<file path=ppt/slides/slide4.xml><?xml version="1.0" encoding="utf-8"?>
+<p:sld xmlns:a="http://schemas.openxmlformats.org/drawingml/2006/main" xmlns:r="http://schemas.openxmlformats.org/officeDocument/2006/relationships" xmlns:p="http://schemas.openxmlformats.org/presentationml/2006/main">
+  <p:cSld>
+    <p:spTree>
+      <p:nvGrpSpPr>
+        <p:cNvPr id="1" name=""/>
+        <p:cNvGrpSpPr/>
+        <p:nvPr/>
+      </p:nvGrpSpPr>
+      <p:grpSpPr>
+        <a:xfrm>
+          <a:off x="0" y="0"/>
+          <a:ext cx="0" cy="0"/>
+          <a:chOff x="0" y="0"/>
+          <a:chExt cx="0" cy="0"/>
+        </a:xfrm>
+      </p:grpSpPr>
+      <p:sp>
+        <p:nvSpPr>
+          <p:cNvPr id="2" name="Title 1">
+            <a:extLst>
+              <a:ext uri="{FF2B5EF4-FFF2-40B4-BE49-F238E27FC236}">
+                <a16:creationId xmlns:a16="http://schemas.microsoft.com/office/drawing/2014/main" id="{49CAAC8C-C33C-0289-7956-1F958904A692}"/>
+              </a:ext>
+            </a:extLst>
+          </p:cNvPr>
+          <p:cNvSpPr>
+            <a:spLocks noGrp="1"/>
+          </p:cNvSpPr>
+          <p:nvPr>
+            <p:ph type="title"/>
+          </p:nvPr>
+        </p:nvSpPr>
+        <p:spPr/>
+        <p:txBody>
+          <a:bodyPr/>
+          <a:lstStyle/>
+          <a:p>
+            <a:r>
+              <a:rPr lang="en-GB" b="1" dirty="0">
+                <a:solidFill>
+                  <a:srgbClr val="002060"/>
+                </a:solidFill>
+              </a:rPr>
+              <a:t>Comparison of COMSOL and gradient profiles</a:t>
+            </a:r>
+          </a:p>
+        </p:txBody>
+      </p:sp>
+      <p:sp>
+        <p:nvSpPr>
+          <p:cNvPr id="3" name="Content Placeholder 2">
+            <a:extLst>
+              <a:ext uri="{FF2B5EF4-FFF2-40B4-BE49-F238E27FC236}">
+                <a16:creationId xmlns:a16="http://schemas.microsoft.com/office/drawing/2014/main" id="{79BD997D-5EB6-F308-482D-3018A5C152C9}"/>
+              </a:ext>
+            </a:extLst>
+          </p:cNvPr>
+          <p:cNvSpPr>
+            <a:spLocks noGrp="1"/>
+          </p:cNvSpPr>
+          <p:nvPr>
+            <p:ph idx="1"/>
+          </p:nvPr>
+        </p:nvSpPr>
+        <p:spPr>
+          <a:xfrm>
+            <a:off x="838200" y="1825625"/>
+            <a:ext cx="4838539" cy="4351338"/>
+          </a:xfrm>
+        </p:spPr>
+        <p:txBody>
+          <a:bodyPr>
+            <a:normAutofit lnSpcReduction="10000"/>
+          </a:bodyPr>
+          <a:lstStyle/>
+          <a:p>
+            <a:r>
+              <a:rPr lang="en-GB" dirty="0"/>
+              <a:t>Gradient profile has a higher peak and steeper drop-off than COMSOL </a:t>
+            </a:r>
+          </a:p>
+          <a:p>
+            <a:r>
+              <a:rPr lang="en-GB" dirty="0"/>
+              <a:t>This is difference is (qualitatively) unchanged when varying pressures or gases </a:t>
+            </a:r>
+          </a:p>
+          <a:p>
+            <a:pPr lvl="1">
+              <a:buFont typeface="Wingdings" panose="05000000000000000000" pitchFamily="2" charset="2"/>
+              <a:buChar char="Ø"/>
+            </a:pPr>
+            <a:r>
+              <a:rPr lang="en-GB" dirty="0"/>
+              <a:t> Note: COMSOL model based on Argon</a:t>
+            </a:r>
+          </a:p>
+          <a:p>
+            <a:r>
+              <a:rPr lang="en-GB" i="1" dirty="0">
+                <a:solidFill>
+                  <a:srgbClr val="002060"/>
+                </a:solidFill>
+              </a:rPr>
+              <a:t>Overall, good agreement of the two models</a:t>
+            </a:r>
+          </a:p>
+        </p:txBody>
+      </p:sp>
+      <p:pic>
+        <p:nvPicPr>
+          <p:cNvPr id="5" name="Picture 4" descr="A graph of a graph with a red line&#10;&#10;Description automatically generated">
+            <a:extLst>
+              <a:ext uri="{FF2B5EF4-FFF2-40B4-BE49-F238E27FC236}">
+                <a16:creationId xmlns:a16="http://schemas.microsoft.com/office/drawing/2014/main" id="{78D7932B-A45D-28D7-5D78-CB73611F5405}"/>
+              </a:ext>
+            </a:extLst>
+          </p:cNvPr>
+          <p:cNvPicPr>
+            <a:picLocks noChangeAspect="1"/>
+          </p:cNvPicPr>
+          <p:nvPr/>
+        </p:nvPicPr>
+        <p:blipFill>
+          <a:blip r:embed="rId2">
+            <a:extLst>
+              <a:ext uri="{28A0092B-C50C-407E-A947-70E740481C1C}">
+                <a14:useLocalDpi xmlns:a14="http://schemas.microsoft.com/office/drawing/2010/main" val="0"/>
+              </a:ext>
+            </a:extLst>
+          </a:blip>
+          <a:stretch>
+            <a:fillRect/>
+          </a:stretch>
+        </p:blipFill>
+        <p:spPr>
+          <a:xfrm>
+            <a:off x="5676739" y="1427585"/>
+            <a:ext cx="6515261" cy="4886446"/>
+          </a:xfrm>
+          <a:prstGeom prst="rect">
+            <a:avLst/>
+          </a:prstGeom>
+        </p:spPr>
+      </p:pic>
+    </p:spTree>
+    <p:extLst>
+      <p:ext uri="{BB962C8B-B14F-4D97-AF65-F5344CB8AC3E}">
+        <p14:creationId xmlns:p14="http://schemas.microsoft.com/office/powerpoint/2010/main" val="3053091919"/>
+      </p:ext>
+    </p:extLst>
+  </p:cSld>
+  <p:clrMapOvr>
+    <a:masterClrMapping/>
+  </p:clrMapOvr>
+</p:sld>
+</file>
+
+<file path=ppt/slides/slide5.xml><?xml version="1.0" encoding="utf-8"?>
+<p:sld xmlns:a="http://schemas.openxmlformats.org/drawingml/2006/main" xmlns:r="http://schemas.openxmlformats.org/officeDocument/2006/relationships" xmlns:p="http://schemas.openxmlformats.org/presentationml/2006/main">
+  <p:cSld>
+    <p:spTree>
+      <p:nvGrpSpPr>
+        <p:cNvPr id="1" name=""/>
+        <p:cNvGrpSpPr/>
+        <p:nvPr/>
+      </p:nvGrpSpPr>
+      <p:grpSpPr>
+        <a:xfrm>
+          <a:off x="0" y="0"/>
+          <a:ext cx="0" cy="0"/>
+          <a:chOff x="0" y="0"/>
+          <a:chExt cx="0" cy="0"/>
+        </a:xfrm>
+      </p:grpSpPr>
+      <p:sp>
+        <p:nvSpPr>
+          <p:cNvPr id="2" name="Title 1">
+            <a:extLst>
+              <a:ext uri="{FF2B5EF4-FFF2-40B4-BE49-F238E27FC236}">
+                <a16:creationId xmlns:a16="http://schemas.microsoft.com/office/drawing/2014/main" id="{93A22373-E941-DC6C-AACA-B39E64B98B35}"/>
+              </a:ext>
+            </a:extLst>
+          </p:cNvPr>
+          <p:cNvSpPr>
+            <a:spLocks noGrp="1"/>
+          </p:cNvSpPr>
+          <p:nvPr>
+            <p:ph type="title"/>
+          </p:nvPr>
+        </p:nvSpPr>
+        <p:spPr/>
+        <p:txBody>
+          <a:bodyPr/>
+          <a:lstStyle/>
+          <a:p>
+            <a:r>
+              <a:rPr lang="en-GB" b="1" dirty="0">
+                <a:solidFill>
+                  <a:srgbClr val="002060"/>
+                </a:solidFill>
+              </a:rPr>
+              <a:t>Comparison of COMSOL and gradient profiles</a:t>
+            </a:r>
+            <a:endParaRPr lang="en-GB" dirty="0"/>
+          </a:p>
+        </p:txBody>
+      </p:sp>
+      <p:sp>
+        <p:nvSpPr>
+          <p:cNvPr id="3" name="Content Placeholder 2">
+            <a:extLst>
+              <a:ext uri="{FF2B5EF4-FFF2-40B4-BE49-F238E27FC236}">
+                <a16:creationId xmlns:a16="http://schemas.microsoft.com/office/drawing/2014/main" id="{2FA403C2-95FF-D4CB-DDC4-A1D576778D2B}"/>
+              </a:ext>
+            </a:extLst>
+          </p:cNvPr>
+          <p:cNvSpPr>
+            <a:spLocks noGrp="1"/>
+          </p:cNvSpPr>
+          <p:nvPr>
+            <p:ph idx="1"/>
+          </p:nvPr>
+        </p:nvSpPr>
+        <p:spPr>
+          <a:xfrm>
+            <a:off x="838200" y="1825625"/>
+            <a:ext cx="5105400" cy="4351338"/>
+          </a:xfrm>
+        </p:spPr>
+        <p:txBody>
+          <a:bodyPr/>
+          <a:lstStyle/>
+          <a:p>
+            <a:r>
+              <a:rPr lang="en-GB" dirty="0"/>
+              <a:t>The fact that the COMSOL simulations are only based on Argon does not seem to be an issue</a:t>
+            </a:r>
+          </a:p>
+          <a:p>
+            <a:r>
+              <a:rPr lang="en-GB" dirty="0"/>
+              <a:t>At the given pressures there is barely any difference in the gas density profiles</a:t>
+            </a:r>
+          </a:p>
+          <a:p>
+            <a:r>
+              <a:rPr lang="en-GB" dirty="0"/>
+              <a:t>Thus, the COMSOL model was also used for the other gases in the parameter scans</a:t>
+            </a:r>
+          </a:p>
+          <a:p>
+            <a:endParaRPr lang="en-GB" dirty="0"/>
+          </a:p>
+        </p:txBody>
+      </p:sp>
+      <p:pic>
+        <p:nvPicPr>
+          <p:cNvPr id="5" name="Picture 4" descr="A graph of different gas profiles&#10;&#10;Description automatically generated">
+            <a:extLst>
+              <a:ext uri="{FF2B5EF4-FFF2-40B4-BE49-F238E27FC236}">
+                <a16:creationId xmlns:a16="http://schemas.microsoft.com/office/drawing/2014/main" id="{6BB16442-F304-AF93-61D1-BA2C4F5CB426}"/>
+              </a:ext>
+            </a:extLst>
+          </p:cNvPr>
+          <p:cNvPicPr>
+            <a:picLocks noChangeAspect="1"/>
+          </p:cNvPicPr>
+          <p:nvPr/>
+        </p:nvPicPr>
+        <p:blipFill>
+          <a:blip r:embed="rId2">
+            <a:extLst>
+              <a:ext uri="{28A0092B-C50C-407E-A947-70E740481C1C}">
+                <a14:useLocalDpi xmlns:a14="http://schemas.microsoft.com/office/drawing/2010/main" val="0"/>
+              </a:ext>
+            </a:extLst>
+          </a:blip>
+          <a:stretch>
+            <a:fillRect/>
+          </a:stretch>
+        </p:blipFill>
+        <p:spPr>
+          <a:xfrm>
+            <a:off x="5870835" y="1474237"/>
+            <a:ext cx="6489116" cy="4866837"/>
+          </a:xfrm>
+          <a:prstGeom prst="rect">
+            <a:avLst/>
+          </a:prstGeom>
+        </p:spPr>
+      </p:pic>
+    </p:spTree>
+    <p:extLst>
+      <p:ext uri="{BB962C8B-B14F-4D97-AF65-F5344CB8AC3E}">
+        <p14:creationId xmlns:p14="http://schemas.microsoft.com/office/powerpoint/2010/main" val="2071891071"/>
+      </p:ext>
+    </p:extLst>
+  </p:cSld>
+  <p:clrMapOvr>
+    <a:masterClrMapping/>
+  </p:clrMapOvr>
+</p:sld>
+</file>
+
+<file path=ppt/slides/slide6.xml><?xml version="1.0" encoding="utf-8"?>
+<p:sld xmlns:a="http://schemas.openxmlformats.org/drawingml/2006/main" xmlns:r="http://schemas.openxmlformats.org/officeDocument/2006/relationships" xmlns:p="http://schemas.openxmlformats.org/presentationml/2006/main">
+  <p:cSld>
+    <p:spTree>
+      <p:nvGrpSpPr>
+        <p:cNvPr id="1" name=""/>
+        <p:cNvGrpSpPr/>
+        <p:nvPr/>
+      </p:nvGrpSpPr>
+      <p:grpSpPr>
+        <a:xfrm>
+          <a:off x="0" y="0"/>
+          <a:ext cx="0" cy="0"/>
+          <a:chOff x="0" y="0"/>
+          <a:chExt cx="0" cy="0"/>
+        </a:xfrm>
+      </p:grpSpPr>
+      <p:pic>
+        <p:nvPicPr>
+          <p:cNvPr id="4" name="Picture 3" descr="A graph with orange lines&#10;&#10;Description automatically generated">
+            <a:extLst>
+              <a:ext uri="{FF2B5EF4-FFF2-40B4-BE49-F238E27FC236}">
+                <a16:creationId xmlns:a16="http://schemas.microsoft.com/office/drawing/2014/main" id="{82685939-9B25-69FD-B4CA-14B09886892D}"/>
+              </a:ext>
+            </a:extLst>
+          </p:cNvPr>
+          <p:cNvPicPr>
+            <a:picLocks noChangeAspect="1"/>
+          </p:cNvPicPr>
+          <p:nvPr/>
+        </p:nvPicPr>
+        <p:blipFill rotWithShape="1">
+          <a:blip r:embed="rId2">
+            <a:extLst>
+              <a:ext uri="{28A0092B-C50C-407E-A947-70E740481C1C}">
+                <a14:useLocalDpi xmlns:a14="http://schemas.microsoft.com/office/drawing/2010/main" val="0"/>
+              </a:ext>
+            </a:extLst>
+          </a:blip>
+          <a:srcRect t="9116"/>
+          <a:stretch/>
+        </p:blipFill>
+        <p:spPr>
+          <a:xfrm>
+            <a:off x="7048500" y="3825551"/>
+            <a:ext cx="5143500" cy="3116424"/>
+          </a:xfrm>
+          <a:prstGeom prst="rect">
+            <a:avLst/>
+          </a:prstGeom>
+        </p:spPr>
+      </p:pic>
+      <p:sp>
+        <p:nvSpPr>
+          <p:cNvPr id="2" name="Title 1">
+            <a:extLst>
+              <a:ext uri="{FF2B5EF4-FFF2-40B4-BE49-F238E27FC236}">
+                <a16:creationId xmlns:a16="http://schemas.microsoft.com/office/drawing/2014/main" id="{4B7F8487-C40F-0F1C-6086-E173C844B305}"/>
+              </a:ext>
+            </a:extLst>
+          </p:cNvPr>
+          <p:cNvSpPr>
+            <a:spLocks noGrp="1"/>
+          </p:cNvSpPr>
+          <p:nvPr>
+            <p:ph type="title"/>
+          </p:nvPr>
+        </p:nvSpPr>
+        <p:spPr/>
+        <p:txBody>
+          <a:bodyPr/>
+          <a:lstStyle/>
+          <a:p>
+            <a:endParaRPr lang="en-GB" dirty="0"/>
+          </a:p>
+        </p:txBody>
+      </p:sp>
+      <p:sp>
+        <p:nvSpPr>
+          <p:cNvPr id="3" name="Content Placeholder 2">
+            <a:extLst>
+              <a:ext uri="{FF2B5EF4-FFF2-40B4-BE49-F238E27FC236}">
+                <a16:creationId xmlns:a16="http://schemas.microsoft.com/office/drawing/2014/main" id="{4FCD4DC3-266C-23F6-D7BA-2D4BC167A37E}"/>
+              </a:ext>
+            </a:extLst>
+          </p:cNvPr>
+          <p:cNvSpPr>
+            <a:spLocks noGrp="1"/>
+          </p:cNvSpPr>
+          <p:nvPr>
+            <p:ph idx="1"/>
+          </p:nvPr>
+        </p:nvSpPr>
+        <p:spPr>
+          <a:xfrm>
+            <a:off x="838200" y="1825625"/>
+            <a:ext cx="6021239" cy="4351338"/>
+          </a:xfrm>
+        </p:spPr>
+        <p:txBody>
+          <a:bodyPr>
+            <a:normAutofit fontScale="92500" lnSpcReduction="10000"/>
+          </a:bodyPr>
+          <a:lstStyle/>
+          <a:p>
+            <a:r>
+              <a:rPr lang="en-GB" dirty="0"/>
+              <a:t>Using the COMSOL model has a significant effect on the UV output energy, which is reduced by an order of magnitude </a:t>
+            </a:r>
+          </a:p>
+          <a:p>
+            <a:r>
+              <a:rPr lang="en-GB" dirty="0"/>
+              <a:t>This is likely to be due to effects outside the gas cell itself (the COMSOL model includes 3.5cm on either side of the cell)</a:t>
+            </a:r>
+          </a:p>
+          <a:p>
+            <a:pPr lvl="1">
+              <a:buFont typeface="Wingdings" panose="05000000000000000000" pitchFamily="2" charset="2"/>
+              <a:buChar char="Ø"/>
+            </a:pPr>
+            <a:r>
+              <a:rPr lang="en-GB" dirty="0"/>
+              <a:t> Investigate a “truncated” COMSOL model only within the actual cell and compare? </a:t>
+            </a:r>
+          </a:p>
+          <a:p>
+            <a:r>
+              <a:rPr lang="en-GB" dirty="0"/>
+              <a:t>The COMSOL model is much closer to the measured UV energies than the gradient model</a:t>
+            </a:r>
+          </a:p>
+        </p:txBody>
+      </p:sp>
+      <p:sp>
+        <p:nvSpPr>
+          <p:cNvPr id="5" name="TextBox 4">
+            <a:extLst>
+              <a:ext uri="{FF2B5EF4-FFF2-40B4-BE49-F238E27FC236}">
+                <a16:creationId xmlns:a16="http://schemas.microsoft.com/office/drawing/2014/main" id="{908AF732-6A4B-CF89-927D-CA3CC089AD34}"/>
+              </a:ext>
+            </a:extLst>
+          </p:cNvPr>
+          <p:cNvSpPr txBox="1"/>
+          <p:nvPr/>
+        </p:nvSpPr>
+        <p:spPr>
+          <a:xfrm>
+            <a:off x="9787812" y="4264090"/>
+            <a:ext cx="1191352" cy="369332"/>
+          </a:xfrm>
+          <a:prstGeom prst="rect">
+            <a:avLst/>
+          </a:prstGeom>
+          <a:noFill/>
+        </p:spPr>
+        <p:txBody>
+          <a:bodyPr wrap="none" rtlCol="0">
+            <a:spAutoFit/>
+          </a:bodyPr>
+          <a:lstStyle/>
+          <a:p>
+            <a:r>
+              <a:rPr lang="en-GB" dirty="0" err="1"/>
+              <a:t>Ar</a:t>
+            </a:r>
+            <a:r>
+              <a:rPr lang="en-GB" dirty="0"/>
+              <a:t> 150mW</a:t>
+            </a:r>
+          </a:p>
+        </p:txBody>
+      </p:sp>
+      <p:pic>
+        <p:nvPicPr>
+          <p:cNvPr id="7" name="Picture 6" descr="A graph of uv energy&#10;&#10;Description automatically generated with medium confidence">
+            <a:extLst>
+              <a:ext uri="{FF2B5EF4-FFF2-40B4-BE49-F238E27FC236}">
+                <a16:creationId xmlns:a16="http://schemas.microsoft.com/office/drawing/2014/main" id="{10A23714-98D8-A157-2C74-A09A93BF36EA}"/>
+              </a:ext>
+            </a:extLst>
+          </p:cNvPr>
+          <p:cNvPicPr>
+            <a:picLocks noChangeAspect="1"/>
+          </p:cNvPicPr>
+          <p:nvPr/>
+        </p:nvPicPr>
+        <p:blipFill>
+          <a:blip r:embed="rId3">
+            <a:extLst>
+              <a:ext uri="{28A0092B-C50C-407E-A947-70E740481C1C}">
+                <a14:useLocalDpi xmlns:a14="http://schemas.microsoft.com/office/drawing/2010/main" val="0"/>
+              </a:ext>
+            </a:extLst>
+          </a:blip>
+          <a:stretch>
+            <a:fillRect/>
+          </a:stretch>
+        </p:blipFill>
+        <p:spPr>
+          <a:xfrm>
+            <a:off x="6923313" y="-60264"/>
+            <a:ext cx="5268687" cy="3951515"/>
+          </a:xfrm>
+          <a:prstGeom prst="rect">
+            <a:avLst/>
+          </a:prstGeom>
+        </p:spPr>
+      </p:pic>
+    </p:spTree>
+    <p:extLst>
+      <p:ext uri="{BB962C8B-B14F-4D97-AF65-F5344CB8AC3E}">
+        <p14:creationId xmlns:p14="http://schemas.microsoft.com/office/powerpoint/2010/main" val="3674731477"/>
+      </p:ext>
+    </p:extLst>
+  </p:cSld>
+  <p:clrMapOvr>
+    <a:masterClrMapping/>
+  </p:clrMapOvr>
+</p:sld>
+</file>
+
+<file path=ppt/slides/slide7.xml><?xml version="1.0" encoding="utf-8"?>
+<p:sld xmlns:a="http://schemas.openxmlformats.org/drawingml/2006/main" xmlns:r="http://schemas.openxmlformats.org/officeDocument/2006/relationships" xmlns:p="http://schemas.openxmlformats.org/presentationml/2006/main">
+  <p:cSld>
+    <p:spTree>
+      <p:nvGrpSpPr>
+        <p:cNvPr id="1" name=""/>
+        <p:cNvGrpSpPr/>
+        <p:nvPr/>
+      </p:nvGrpSpPr>
+      <p:grpSpPr>
+        <a:xfrm>
+          <a:off x="0" y="0"/>
+          <a:ext cx="0" cy="0"/>
+          <a:chOff x="0" y="0"/>
+          <a:chExt cx="0" cy="0"/>
+        </a:xfrm>
+      </p:grpSpPr>
+      <p:sp>
+        <p:nvSpPr>
+          <p:cNvPr id="2" name="Title 1">
+            <a:extLst>
+              <a:ext uri="{FF2B5EF4-FFF2-40B4-BE49-F238E27FC236}">
+                <a16:creationId xmlns:a16="http://schemas.microsoft.com/office/drawing/2014/main" id="{E6D10441-6128-B3DF-403A-DFC8AA62A07C}"/>
+              </a:ext>
+            </a:extLst>
+          </p:cNvPr>
+          <p:cNvSpPr>
+            <a:spLocks noGrp="1"/>
+          </p:cNvSpPr>
+          <p:nvPr>
+            <p:ph type="title"/>
+          </p:nvPr>
+        </p:nvSpPr>
+        <p:spPr/>
+        <p:txBody>
+          <a:bodyPr/>
+          <a:lstStyle/>
+          <a:p>
+            <a:r>
+              <a:rPr lang="en-GB" b="1" dirty="0">
+                <a:solidFill>
+                  <a:srgbClr val="002060"/>
+                </a:solidFill>
+              </a:rPr>
+              <a:t>Comparison of different gases</a:t>
+            </a:r>
+            <a:endParaRPr lang="en-GB" dirty="0"/>
+          </a:p>
+        </p:txBody>
+      </p:sp>
+      <p:sp>
+        <p:nvSpPr>
+          <p:cNvPr id="3" name="Content Placeholder 2">
+            <a:extLst>
+              <a:ext uri="{FF2B5EF4-FFF2-40B4-BE49-F238E27FC236}">
+                <a16:creationId xmlns:a16="http://schemas.microsoft.com/office/drawing/2014/main" id="{534048CD-97BE-691A-1B5D-98C2DAD0252F}"/>
+              </a:ext>
+            </a:extLst>
+          </p:cNvPr>
+          <p:cNvSpPr>
+            <a:spLocks noGrp="1"/>
+          </p:cNvSpPr>
+          <p:nvPr>
+            <p:ph idx="1"/>
+          </p:nvPr>
+        </p:nvSpPr>
+        <p:spPr/>
+        <p:txBody>
+          <a:bodyPr/>
+          <a:lstStyle/>
+          <a:p>
+            <a:endParaRPr lang="en-GB" dirty="0"/>
+          </a:p>
+        </p:txBody>
+      </p:sp>
+    </p:spTree>
+    <p:extLst>
+      <p:ext uri="{BB962C8B-B14F-4D97-AF65-F5344CB8AC3E}">
+        <p14:creationId xmlns:p14="http://schemas.microsoft.com/office/powerpoint/2010/main" val="3223392986"/>
+      </p:ext>
+    </p:extLst>
+  </p:cSld>
+  <p:clrMapOvr>
+    <a:masterClrMapping/>
+  </p:clrMapOvr>
+</p:sld>
+</file>
+
+<file path=ppt/slides/slide8.xml><?xml version="1.0" encoding="utf-8"?>
+<p:sld xmlns:a="http://schemas.openxmlformats.org/drawingml/2006/main" xmlns:r="http://schemas.openxmlformats.org/officeDocument/2006/relationships" xmlns:p="http://schemas.openxmlformats.org/presentationml/2006/main" show="0">
+  <p:cSld>
+    <p:spTree>
+      <p:nvGrpSpPr>
+        <p:cNvPr id="1" name=""/>
+        <p:cNvGrpSpPr/>
+        <p:nvPr/>
+      </p:nvGrpSpPr>
+      <p:grpSpPr>
+        <a:xfrm>
+          <a:off x="0" y="0"/>
+          <a:ext cx="0" cy="0"/>
+          <a:chOff x="0" y="0"/>
+          <a:chExt cx="0" cy="0"/>
+        </a:xfrm>
+      </p:grpSpPr>
+      <p:sp>
+        <p:nvSpPr>
+          <p:cNvPr id="2" name="Title 1">
+            <a:extLst>
+              <a:ext uri="{FF2B5EF4-FFF2-40B4-BE49-F238E27FC236}">
                 <a16:creationId xmlns:a16="http://schemas.microsoft.com/office/drawing/2014/main" id="{BA319224-BB00-B721-6803-D215F59111AC}"/>
               </a:ext>
             </a:extLst>
@@ -3507,7 +4445,7 @@
                   <a:srgbClr val="002060"/>
                 </a:solidFill>
               </a:rPr>
-              <a:t>Relative Neon/Argon saturation values</a:t>
+              <a:t>Relative Neon/Argon saturation values [OLD]</a:t>
             </a:r>
           </a:p>
         </p:txBody>
@@ -4124,8 +5062,8 @@
 </p:sld>
 </file>
 
-<file path=ppt/slides/slide3.xml><?xml version="1.0" encoding="utf-8"?>
-<p:sld xmlns:a="http://schemas.openxmlformats.org/drawingml/2006/main" xmlns:r="http://schemas.openxmlformats.org/officeDocument/2006/relationships" xmlns:p="http://schemas.openxmlformats.org/presentationml/2006/main">
+<file path=ppt/slides/slide9.xml><?xml version="1.0" encoding="utf-8"?>
+<p:sld xmlns:a="http://schemas.openxmlformats.org/drawingml/2006/main" xmlns:r="http://schemas.openxmlformats.org/officeDocument/2006/relationships" xmlns:p="http://schemas.openxmlformats.org/presentationml/2006/main" show="0">
   <p:cSld>
     <p:spTree>
       <p:nvGrpSpPr>
@@ -4168,7 +5106,7 @@
                   <a:srgbClr val="002060"/>
                 </a:solidFill>
               </a:rPr>
-              <a:t>Comparison of different gases</a:t>
+              <a:t>Comparison of different gases [OLD]</a:t>
             </a:r>
           </a:p>
         </p:txBody>
@@ -4301,94 +5239,6 @@
     <p:extLst>
       <p:ext uri="{BB962C8B-B14F-4D97-AF65-F5344CB8AC3E}">
         <p14:creationId xmlns:p14="http://schemas.microsoft.com/office/powerpoint/2010/main" val="4012426225"/>
-      </p:ext>
-    </p:extLst>
-  </p:cSld>
-  <p:clrMapOvr>
-    <a:masterClrMapping/>
-  </p:clrMapOvr>
-</p:sld>
-</file>
-
-<file path=ppt/slides/slide4.xml><?xml version="1.0" encoding="utf-8"?>
-<p:sld xmlns:a="http://schemas.openxmlformats.org/drawingml/2006/main" xmlns:r="http://schemas.openxmlformats.org/officeDocument/2006/relationships" xmlns:p="http://schemas.openxmlformats.org/presentationml/2006/main">
-  <p:cSld>
-    <p:spTree>
-      <p:nvGrpSpPr>
-        <p:cNvPr id="1" name=""/>
-        <p:cNvGrpSpPr/>
-        <p:nvPr/>
-      </p:nvGrpSpPr>
-      <p:grpSpPr>
-        <a:xfrm>
-          <a:off x="0" y="0"/>
-          <a:ext cx="0" cy="0"/>
-          <a:chOff x="0" y="0"/>
-          <a:chExt cx="0" cy="0"/>
-        </a:xfrm>
-      </p:grpSpPr>
-      <p:sp>
-        <p:nvSpPr>
-          <p:cNvPr id="2" name="Title 1">
-            <a:extLst>
-              <a:ext uri="{FF2B5EF4-FFF2-40B4-BE49-F238E27FC236}">
-                <a16:creationId xmlns:a16="http://schemas.microsoft.com/office/drawing/2014/main" id="{E6D10441-6128-B3DF-403A-DFC8AA62A07C}"/>
-              </a:ext>
-            </a:extLst>
-          </p:cNvPr>
-          <p:cNvSpPr>
-            <a:spLocks noGrp="1"/>
-          </p:cNvSpPr>
-          <p:nvPr>
-            <p:ph type="title"/>
-          </p:nvPr>
-        </p:nvSpPr>
-        <p:spPr/>
-        <p:txBody>
-          <a:bodyPr/>
-          <a:lstStyle/>
-          <a:p>
-            <a:r>
-              <a:rPr lang="en-GB" b="1" dirty="0">
-                <a:solidFill>
-                  <a:srgbClr val="002060"/>
-                </a:solidFill>
-              </a:rPr>
-              <a:t>Comparison of different gases</a:t>
-            </a:r>
-            <a:endParaRPr lang="en-GB" dirty="0"/>
-          </a:p>
-        </p:txBody>
-      </p:sp>
-      <p:sp>
-        <p:nvSpPr>
-          <p:cNvPr id="3" name="Content Placeholder 2">
-            <a:extLst>
-              <a:ext uri="{FF2B5EF4-FFF2-40B4-BE49-F238E27FC236}">
-                <a16:creationId xmlns:a16="http://schemas.microsoft.com/office/drawing/2014/main" id="{534048CD-97BE-691A-1B5D-98C2DAD0252F}"/>
-              </a:ext>
-            </a:extLst>
-          </p:cNvPr>
-          <p:cNvSpPr>
-            <a:spLocks noGrp="1"/>
-          </p:cNvSpPr>
-          <p:nvPr>
-            <p:ph idx="1"/>
-          </p:nvPr>
-        </p:nvSpPr>
-        <p:spPr/>
-        <p:txBody>
-          <a:bodyPr/>
-          <a:lstStyle/>
-          <a:p>
-            <a:endParaRPr lang="en-GB" dirty="0"/>
-          </a:p>
-        </p:txBody>
-      </p:sp>
-    </p:spTree>
-    <p:extLst>
-      <p:ext uri="{BB962C8B-B14F-4D97-AF65-F5344CB8AC3E}">
-        <p14:creationId xmlns:p14="http://schemas.microsoft.com/office/powerpoint/2010/main" val="3223392986"/>
       </p:ext>
     </p:extLst>
   </p:cSld>

--- a/presentations/DESY - Week 5.pptx
+++ b/presentations/DESY - Week 5.pptx
@@ -10,10 +10,11 @@
     <p:sldId id="265" r:id="rId4"/>
     <p:sldId id="262" r:id="rId5"/>
     <p:sldId id="263" r:id="rId6"/>
-    <p:sldId id="264" r:id="rId7"/>
-    <p:sldId id="260" r:id="rId8"/>
-    <p:sldId id="258" r:id="rId9"/>
-    <p:sldId id="259" r:id="rId10"/>
+    <p:sldId id="266" r:id="rId7"/>
+    <p:sldId id="264" r:id="rId8"/>
+    <p:sldId id="260" r:id="rId9"/>
+    <p:sldId id="258" r:id="rId10"/>
+    <p:sldId id="259" r:id="rId11"/>
   </p:sldIdLst>
   <p:sldSz cx="12192000" cy="6858000"/>
   <p:notesSz cx="6858000" cy="9144000"/>
@@ -3463,6 +3464,192 @@
 </p:sld>
 </file>
 
+<file path=ppt/slides/slide10.xml><?xml version="1.0" encoding="utf-8"?>
+<p:sld xmlns:a="http://schemas.openxmlformats.org/drawingml/2006/main" xmlns:r="http://schemas.openxmlformats.org/officeDocument/2006/relationships" xmlns:p="http://schemas.openxmlformats.org/presentationml/2006/main" show="0">
+  <p:cSld>
+    <p:spTree>
+      <p:nvGrpSpPr>
+        <p:cNvPr id="1" name=""/>
+        <p:cNvGrpSpPr/>
+        <p:nvPr/>
+      </p:nvGrpSpPr>
+      <p:grpSpPr>
+        <a:xfrm>
+          <a:off x="0" y="0"/>
+          <a:ext cx="0" cy="0"/>
+          <a:chOff x="0" y="0"/>
+          <a:chExt cx="0" cy="0"/>
+        </a:xfrm>
+      </p:grpSpPr>
+      <p:sp>
+        <p:nvSpPr>
+          <p:cNvPr id="2" name="Title 1">
+            <a:extLst>
+              <a:ext uri="{FF2B5EF4-FFF2-40B4-BE49-F238E27FC236}">
+                <a16:creationId xmlns:a16="http://schemas.microsoft.com/office/drawing/2014/main" id="{B6615C61-A890-9780-3C3E-6C9923A22904}"/>
+              </a:ext>
+            </a:extLst>
+          </p:cNvPr>
+          <p:cNvSpPr>
+            <a:spLocks noGrp="1"/>
+          </p:cNvSpPr>
+          <p:nvPr>
+            <p:ph type="title"/>
+          </p:nvPr>
+        </p:nvSpPr>
+        <p:spPr/>
+        <p:txBody>
+          <a:bodyPr/>
+          <a:lstStyle/>
+          <a:p>
+            <a:r>
+              <a:rPr lang="en-GB" b="1" dirty="0">
+                <a:solidFill>
+                  <a:srgbClr val="002060"/>
+                </a:solidFill>
+              </a:rPr>
+              <a:t>Comparison of different gases [OLD]</a:t>
+            </a:r>
+          </a:p>
+        </p:txBody>
+      </p:sp>
+      <p:sp>
+        <p:nvSpPr>
+          <p:cNvPr id="4" name="Content Placeholder 3">
+            <a:extLst>
+              <a:ext uri="{FF2B5EF4-FFF2-40B4-BE49-F238E27FC236}">
+                <a16:creationId xmlns:a16="http://schemas.microsoft.com/office/drawing/2014/main" id="{BD23AE31-E6EB-7576-C45D-D0D8C7B8F8C3}"/>
+              </a:ext>
+            </a:extLst>
+          </p:cNvPr>
+          <p:cNvSpPr>
+            <a:spLocks noGrp="1"/>
+          </p:cNvSpPr>
+          <p:nvPr>
+            <p:ph idx="1"/>
+          </p:nvPr>
+        </p:nvSpPr>
+        <p:spPr>
+          <a:xfrm>
+            <a:off x="838200" y="1825624"/>
+            <a:ext cx="5450633" cy="4828042"/>
+          </a:xfrm>
+        </p:spPr>
+        <p:txBody>
+          <a:bodyPr>
+            <a:normAutofit lnSpcReduction="10000"/>
+          </a:bodyPr>
+          <a:lstStyle/>
+          <a:p>
+            <a:r>
+              <a:rPr lang="en-GB" dirty="0"/>
+              <a:t>At the given parameter values, the highest UV energies are generated by krypton, argon and nitrous oxide </a:t>
+            </a:r>
+          </a:p>
+          <a:p>
+            <a:pPr lvl="1">
+              <a:buFont typeface="Wingdings" panose="05000000000000000000" pitchFamily="2" charset="2"/>
+              <a:buChar char="Ø"/>
+            </a:pPr>
+            <a:r>
+              <a:rPr lang="en-GB" dirty="0"/>
+              <a:t> </a:t>
+            </a:r>
+            <a:r>
+              <a:rPr lang="en-GB" i="1" dirty="0">
+                <a:solidFill>
+                  <a:srgbClr val="002060"/>
+                </a:solidFill>
+              </a:rPr>
+              <a:t>Investigate Kr and N2O in more detail (plots on </a:t>
+            </a:r>
+            <a:r>
+              <a:rPr lang="en-GB" i="1" dirty="0" err="1">
+                <a:solidFill>
+                  <a:srgbClr val="002060"/>
+                </a:solidFill>
+              </a:rPr>
+              <a:t>Sync&amp;Share</a:t>
+            </a:r>
+            <a:r>
+              <a:rPr lang="en-GB" i="1" dirty="0">
+                <a:solidFill>
+                  <a:srgbClr val="002060"/>
+                </a:solidFill>
+              </a:rPr>
+              <a:t>)?</a:t>
+            </a:r>
+          </a:p>
+          <a:p>
+            <a:r>
+              <a:rPr lang="en-GB" dirty="0"/>
+              <a:t>Neon, on the other hand, yields the second-lowest UV energy</a:t>
+            </a:r>
+          </a:p>
+          <a:p>
+            <a:r>
+              <a:rPr lang="en-GB" i="1" dirty="0">
+                <a:solidFill>
+                  <a:srgbClr val="002060"/>
+                </a:solidFill>
+              </a:rPr>
+              <a:t>Note that relative gas performance is likely sensitive to central gas pressure and beam power: simulations should be extended!</a:t>
+            </a:r>
+          </a:p>
+          <a:p>
+            <a:endParaRPr lang="en-GB" dirty="0"/>
+          </a:p>
+        </p:txBody>
+      </p:sp>
+      <p:pic>
+        <p:nvPicPr>
+          <p:cNvPr id="7" name="Picture 6" descr="A blue and white graph&#10;&#10;Description automatically generated">
+            <a:extLst>
+              <a:ext uri="{FF2B5EF4-FFF2-40B4-BE49-F238E27FC236}">
+                <a16:creationId xmlns:a16="http://schemas.microsoft.com/office/drawing/2014/main" id="{1F4B2AD0-C574-3CED-D35E-B7AEB8A7C3C7}"/>
+              </a:ext>
+            </a:extLst>
+          </p:cNvPr>
+          <p:cNvPicPr>
+            <a:picLocks noChangeAspect="1"/>
+          </p:cNvPicPr>
+          <p:nvPr/>
+        </p:nvPicPr>
+        <p:blipFill>
+          <a:blip r:embed="rId2">
+            <a:extLst>
+              <a:ext uri="{28A0092B-C50C-407E-A947-70E740481C1C}">
+                <a14:useLocalDpi xmlns:a14="http://schemas.microsoft.com/office/drawing/2010/main" val="0"/>
+              </a:ext>
+            </a:extLst>
+          </a:blip>
+          <a:stretch>
+            <a:fillRect/>
+          </a:stretch>
+        </p:blipFill>
+        <p:spPr>
+          <a:xfrm>
+            <a:off x="6208333" y="1348921"/>
+            <a:ext cx="6437389" cy="4828042"/>
+          </a:xfrm>
+          <a:prstGeom prst="rect">
+            <a:avLst/>
+          </a:prstGeom>
+        </p:spPr>
+      </p:pic>
+    </p:spTree>
+    <p:extLst>
+      <p:ext uri="{BB962C8B-B14F-4D97-AF65-F5344CB8AC3E}">
+        <p14:creationId xmlns:p14="http://schemas.microsoft.com/office/powerpoint/2010/main" val="4012426225"/>
+      </p:ext>
+    </p:extLst>
+  </p:cSld>
+  <p:clrMapOvr>
+    <a:masterClrMapping/>
+  </p:clrMapOvr>
+</p:sld>
+</file>
+
 <file path=ppt/slides/slide2.xml><?xml version="1.0" encoding="utf-8"?>
 <p:sld xmlns:a="http://schemas.openxmlformats.org/drawingml/2006/main" xmlns:r="http://schemas.openxmlformats.org/officeDocument/2006/relationships" xmlns:p="http://schemas.openxmlformats.org/presentationml/2006/main">
   <p:cSld>
@@ -3741,6 +3928,13 @@
             <a:r>
               <a:rPr lang="en-GB" dirty="0"/>
               <a:t>Compare the COMSOL density model to the gradient density model and decide which one to use moving forward </a:t>
+            </a:r>
+          </a:p>
+          <a:p>
+            <a:pPr lvl="1"/>
+            <a:r>
+              <a:rPr lang="en-GB" dirty="0"/>
+              <a:t>SURELY COMSOL SHOULD BE TAKEN AS BEING MORE ACCURATE???</a:t>
             </a:r>
           </a:p>
           <a:p>
@@ -4103,6 +4297,110 @@
           <a:chExt cx="0" cy="0"/>
         </a:xfrm>
       </p:grpSpPr>
+      <p:sp>
+        <p:nvSpPr>
+          <p:cNvPr id="2" name="Title 1">
+            <a:extLst>
+              <a:ext uri="{FF2B5EF4-FFF2-40B4-BE49-F238E27FC236}">
+                <a16:creationId xmlns:a16="http://schemas.microsoft.com/office/drawing/2014/main" id="{ADBE7A8F-D5BA-BB68-3CE7-3653A8A2B707}"/>
+              </a:ext>
+            </a:extLst>
+          </p:cNvPr>
+          <p:cNvSpPr>
+            <a:spLocks noGrp="1"/>
+          </p:cNvSpPr>
+          <p:nvPr>
+            <p:ph type="title"/>
+          </p:nvPr>
+        </p:nvSpPr>
+        <p:spPr/>
+        <p:txBody>
+          <a:bodyPr/>
+          <a:lstStyle/>
+          <a:p>
+            <a:endParaRPr lang="en-GB"/>
+          </a:p>
+        </p:txBody>
+      </p:sp>
+      <p:sp>
+        <p:nvSpPr>
+          <p:cNvPr id="3" name="Content Placeholder 2">
+            <a:extLst>
+              <a:ext uri="{FF2B5EF4-FFF2-40B4-BE49-F238E27FC236}">
+                <a16:creationId xmlns:a16="http://schemas.microsoft.com/office/drawing/2014/main" id="{7B2E57CC-0269-055C-2EE7-9433A3F0AD2F}"/>
+              </a:ext>
+            </a:extLst>
+          </p:cNvPr>
+          <p:cNvSpPr>
+            <a:spLocks noGrp="1"/>
+          </p:cNvSpPr>
+          <p:nvPr>
+            <p:ph idx="1"/>
+          </p:nvPr>
+        </p:nvSpPr>
+        <p:spPr/>
+        <p:txBody>
+          <a:bodyPr/>
+          <a:lstStyle/>
+          <a:p>
+            <a:r>
+              <a:rPr lang="en-GB" dirty="0"/>
+              <a:t>General trend: shortest pulses occur for very low pressures and hence very low UV energies</a:t>
+            </a:r>
+          </a:p>
+          <a:p>
+            <a:endParaRPr lang="en-GB" dirty="0"/>
+          </a:p>
+          <a:p>
+            <a:endParaRPr lang="en-GB" dirty="0"/>
+          </a:p>
+          <a:p>
+            <a:r>
+              <a:rPr lang="en-GB" dirty="0"/>
+              <a:t>Identify main differences between COMSOL and grad models </a:t>
+            </a:r>
+          </a:p>
+          <a:p>
+            <a:endParaRPr lang="en-GB" dirty="0"/>
+          </a:p>
+          <a:p>
+            <a:r>
+              <a:rPr lang="en-GB" dirty="0"/>
+              <a:t>Then also look at spectra [just nit pick individual case]</a:t>
+            </a:r>
+          </a:p>
+        </p:txBody>
+      </p:sp>
+    </p:spTree>
+    <p:extLst>
+      <p:ext uri="{BB962C8B-B14F-4D97-AF65-F5344CB8AC3E}">
+        <p14:creationId xmlns:p14="http://schemas.microsoft.com/office/powerpoint/2010/main" val="2678057553"/>
+      </p:ext>
+    </p:extLst>
+  </p:cSld>
+  <p:clrMapOvr>
+    <a:masterClrMapping/>
+  </p:clrMapOvr>
+</p:sld>
+</file>
+
+<file path=ppt/slides/slide7.xml><?xml version="1.0" encoding="utf-8"?>
+<p:sld xmlns:a="http://schemas.openxmlformats.org/drawingml/2006/main" xmlns:r="http://schemas.openxmlformats.org/officeDocument/2006/relationships" xmlns:p="http://schemas.openxmlformats.org/presentationml/2006/main">
+  <p:cSld>
+    <p:spTree>
+      <p:nvGrpSpPr>
+        <p:cNvPr id="1" name=""/>
+        <p:cNvGrpSpPr/>
+        <p:nvPr/>
+      </p:nvGrpSpPr>
+      <p:grpSpPr>
+        <a:xfrm>
+          <a:off x="0" y="0"/>
+          <a:ext cx="0" cy="0"/>
+          <a:chOff x="0" y="0"/>
+          <a:chExt cx="0" cy="0"/>
+        </a:xfrm>
+      </p:grpSpPr>
       <p:pic>
         <p:nvPicPr>
           <p:cNvPr id="4" name="Picture 3" descr="A graph with orange lines&#10;&#10;Description automatically generated">
@@ -4308,7 +4606,7 @@
 </p:sld>
 </file>
 
-<file path=ppt/slides/slide7.xml><?xml version="1.0" encoding="utf-8"?>
+<file path=ppt/slides/slide8.xml><?xml version="1.0" encoding="utf-8"?>
 <p:sld xmlns:a="http://schemas.openxmlformats.org/drawingml/2006/main" xmlns:r="http://schemas.openxmlformats.org/officeDocument/2006/relationships" xmlns:p="http://schemas.openxmlformats.org/presentationml/2006/main">
   <p:cSld>
     <p:spTree>
@@ -4396,7 +4694,7 @@
 </p:sld>
 </file>
 
-<file path=ppt/slides/slide8.xml><?xml version="1.0" encoding="utf-8"?>
+<file path=ppt/slides/slide9.xml><?xml version="1.0" encoding="utf-8"?>
 <p:sld xmlns:a="http://schemas.openxmlformats.org/drawingml/2006/main" xmlns:r="http://schemas.openxmlformats.org/officeDocument/2006/relationships" xmlns:p="http://schemas.openxmlformats.org/presentationml/2006/main" show="0">
   <p:cSld>
     <p:spTree>
@@ -5062,192 +5360,6 @@
 </p:sld>
 </file>
 
-<file path=ppt/slides/slide9.xml><?xml version="1.0" encoding="utf-8"?>
-<p:sld xmlns:a="http://schemas.openxmlformats.org/drawingml/2006/main" xmlns:r="http://schemas.openxmlformats.org/officeDocument/2006/relationships" xmlns:p="http://schemas.openxmlformats.org/presentationml/2006/main" show="0">
-  <p:cSld>
-    <p:spTree>
-      <p:nvGrpSpPr>
-        <p:cNvPr id="1" name=""/>
-        <p:cNvGrpSpPr/>
-        <p:nvPr/>
-      </p:nvGrpSpPr>
-      <p:grpSpPr>
-        <a:xfrm>
-          <a:off x="0" y="0"/>
-          <a:ext cx="0" cy="0"/>
-          <a:chOff x="0" y="0"/>
-          <a:chExt cx="0" cy="0"/>
-        </a:xfrm>
-      </p:grpSpPr>
-      <p:sp>
-        <p:nvSpPr>
-          <p:cNvPr id="2" name="Title 1">
-            <a:extLst>
-              <a:ext uri="{FF2B5EF4-FFF2-40B4-BE49-F238E27FC236}">
-                <a16:creationId xmlns:a16="http://schemas.microsoft.com/office/drawing/2014/main" id="{B6615C61-A890-9780-3C3E-6C9923A22904}"/>
-              </a:ext>
-            </a:extLst>
-          </p:cNvPr>
-          <p:cNvSpPr>
-            <a:spLocks noGrp="1"/>
-          </p:cNvSpPr>
-          <p:nvPr>
-            <p:ph type="title"/>
-          </p:nvPr>
-        </p:nvSpPr>
-        <p:spPr/>
-        <p:txBody>
-          <a:bodyPr/>
-          <a:lstStyle/>
-          <a:p>
-            <a:r>
-              <a:rPr lang="en-GB" b="1" dirty="0">
-                <a:solidFill>
-                  <a:srgbClr val="002060"/>
-                </a:solidFill>
-              </a:rPr>
-              <a:t>Comparison of different gases [OLD]</a:t>
-            </a:r>
-          </a:p>
-        </p:txBody>
-      </p:sp>
-      <p:sp>
-        <p:nvSpPr>
-          <p:cNvPr id="4" name="Content Placeholder 3">
-            <a:extLst>
-              <a:ext uri="{FF2B5EF4-FFF2-40B4-BE49-F238E27FC236}">
-                <a16:creationId xmlns:a16="http://schemas.microsoft.com/office/drawing/2014/main" id="{BD23AE31-E6EB-7576-C45D-D0D8C7B8F8C3}"/>
-              </a:ext>
-            </a:extLst>
-          </p:cNvPr>
-          <p:cNvSpPr>
-            <a:spLocks noGrp="1"/>
-          </p:cNvSpPr>
-          <p:nvPr>
-            <p:ph idx="1"/>
-          </p:nvPr>
-        </p:nvSpPr>
-        <p:spPr>
-          <a:xfrm>
-            <a:off x="838200" y="1825624"/>
-            <a:ext cx="5450633" cy="4828042"/>
-          </a:xfrm>
-        </p:spPr>
-        <p:txBody>
-          <a:bodyPr>
-            <a:normAutofit lnSpcReduction="10000"/>
-          </a:bodyPr>
-          <a:lstStyle/>
-          <a:p>
-            <a:r>
-              <a:rPr lang="en-GB" dirty="0"/>
-              <a:t>At the given parameter values, the highest UV energies are generated by krypton, argon and nitrous oxide </a:t>
-            </a:r>
-          </a:p>
-          <a:p>
-            <a:pPr lvl="1">
-              <a:buFont typeface="Wingdings" panose="05000000000000000000" pitchFamily="2" charset="2"/>
-              <a:buChar char="Ø"/>
-            </a:pPr>
-            <a:r>
-              <a:rPr lang="en-GB" dirty="0"/>
-              <a:t> </a:t>
-            </a:r>
-            <a:r>
-              <a:rPr lang="en-GB" i="1" dirty="0">
-                <a:solidFill>
-                  <a:srgbClr val="002060"/>
-                </a:solidFill>
-              </a:rPr>
-              <a:t>Investigate Kr and N2O in more detail (plots on </a:t>
-            </a:r>
-            <a:r>
-              <a:rPr lang="en-GB" i="1" dirty="0" err="1">
-                <a:solidFill>
-                  <a:srgbClr val="002060"/>
-                </a:solidFill>
-              </a:rPr>
-              <a:t>Sync&amp;Share</a:t>
-            </a:r>
-            <a:r>
-              <a:rPr lang="en-GB" i="1" dirty="0">
-                <a:solidFill>
-                  <a:srgbClr val="002060"/>
-                </a:solidFill>
-              </a:rPr>
-              <a:t>)?</a:t>
-            </a:r>
-          </a:p>
-          <a:p>
-            <a:r>
-              <a:rPr lang="en-GB" dirty="0"/>
-              <a:t>Neon, on the other hand, yields the second-lowest UV energy</a:t>
-            </a:r>
-          </a:p>
-          <a:p>
-            <a:r>
-              <a:rPr lang="en-GB" i="1" dirty="0">
-                <a:solidFill>
-                  <a:srgbClr val="002060"/>
-                </a:solidFill>
-              </a:rPr>
-              <a:t>Note that relative gas performance is likely sensitive to central gas pressure and beam power: simulations should be extended!</a:t>
-            </a:r>
-          </a:p>
-          <a:p>
-            <a:endParaRPr lang="en-GB" dirty="0"/>
-          </a:p>
-        </p:txBody>
-      </p:sp>
-      <p:pic>
-        <p:nvPicPr>
-          <p:cNvPr id="7" name="Picture 6" descr="A blue and white graph&#10;&#10;Description automatically generated">
-            <a:extLst>
-              <a:ext uri="{FF2B5EF4-FFF2-40B4-BE49-F238E27FC236}">
-                <a16:creationId xmlns:a16="http://schemas.microsoft.com/office/drawing/2014/main" id="{1F4B2AD0-C574-3CED-D35E-B7AEB8A7C3C7}"/>
-              </a:ext>
-            </a:extLst>
-          </p:cNvPr>
-          <p:cNvPicPr>
-            <a:picLocks noChangeAspect="1"/>
-          </p:cNvPicPr>
-          <p:nvPr/>
-        </p:nvPicPr>
-        <p:blipFill>
-          <a:blip r:embed="rId2">
-            <a:extLst>
-              <a:ext uri="{28A0092B-C50C-407E-A947-70E740481C1C}">
-                <a14:useLocalDpi xmlns:a14="http://schemas.microsoft.com/office/drawing/2010/main" val="0"/>
-              </a:ext>
-            </a:extLst>
-          </a:blip>
-          <a:stretch>
-            <a:fillRect/>
-          </a:stretch>
-        </p:blipFill>
-        <p:spPr>
-          <a:xfrm>
-            <a:off x="6208333" y="1348921"/>
-            <a:ext cx="6437389" cy="4828042"/>
-          </a:xfrm>
-          <a:prstGeom prst="rect">
-            <a:avLst/>
-          </a:prstGeom>
-        </p:spPr>
-      </p:pic>
-    </p:spTree>
-    <p:extLst>
-      <p:ext uri="{BB962C8B-B14F-4D97-AF65-F5344CB8AC3E}">
-        <p14:creationId xmlns:p14="http://schemas.microsoft.com/office/powerpoint/2010/main" val="4012426225"/>
-      </p:ext>
-    </p:extLst>
-  </p:cSld>
-  <p:clrMapOvr>
-    <a:masterClrMapping/>
-  </p:clrMapOvr>
-</p:sld>
-</file>
-
 <file path=ppt/theme/theme1.xml><?xml version="1.0" encoding="utf-8"?>
 <a:theme xmlns:a="http://schemas.openxmlformats.org/drawingml/2006/main" name="Office Theme">
   <a:themeElements>
